--- a/web/b25/1 Bachelor Contract .pptx
+++ b/web/b25/1 Bachelor Contract .pptx
@@ -9264,7 +9264,7 @@
                 </a:solidFill>
                 <a:cs typeface="ＭＳ Ｐゴシック" charset="0"/>
               </a:rPr>
-              <a:t>Monday </a:t>
+              <a:t>Wednesday </a:t>
             </a:r>
             <a:r>
               <a:rPr lang="en-GB" altLang="da-DK" sz="1800" b="1" spc="-50" dirty="0">
@@ -9378,7 +9378,15 @@
             </a:pPr>
             <a:r>
               <a:rPr lang="en-GB" altLang="da-DK" sz="1600" dirty="0"/>
-              <a:t>How to write an academic paper (by Kurt Jensen)</a:t>
+              <a:t>How to write an academic </a:t>
+            </a:r>
+            <a:r>
+              <a:rPr lang="en-GB" altLang="da-DK" sz="1600" dirty="0" smtClean="0"/>
+              <a:t>paper and make an oral presentation of it </a:t>
+            </a:r>
+            <a:r>
+              <a:rPr lang="en-GB" altLang="da-DK" sz="1600" dirty="0"/>
+              <a:t>(by Kurt Jensen)</a:t>
             </a:r>
           </a:p>
           <a:p>
@@ -9399,17 +9407,22 @@
               </a:spcBef>
             </a:pPr>
             <a:r>
-              <a:rPr lang="en-GB" altLang="da-DK" sz="1600" dirty="0"/>
-              <a:t>How to make a good oral </a:t>
-            </a:r>
-            <a:r>
-              <a:rPr lang="en-GB" altLang="da-DK" sz="1600" dirty="0" smtClean="0"/>
-              <a:t>presentation at the exam </a:t>
-            </a:r>
-            <a:r>
-              <a:rPr lang="en-GB" altLang="da-DK" sz="1600" dirty="0"/>
-              <a:t>(by Kurt Jensen)</a:t>
-            </a:r>
+              <a:rPr lang="en-US" sz="1600" dirty="0"/>
+              <a:t>Generative AI in bachelor projects (rules and possibilities</a:t>
+            </a:r>
+            <a:r>
+              <a:rPr lang="en-US" sz="1600" dirty="0" smtClean="0"/>
+              <a:t>) (by </a:t>
+            </a:r>
+            <a:r>
+              <a:rPr lang="en-US" sz="1600" dirty="0"/>
+              <a:t>Niels Olof </a:t>
+            </a:r>
+            <a:r>
+              <a:rPr lang="en-US" sz="1600" dirty="0" smtClean="0"/>
+              <a:t>Bouvin)</a:t>
+            </a:r>
+            <a:endParaRPr lang="en-US" sz="1600" dirty="0"/>
           </a:p>
           <a:p>
             <a:pPr marL="728663" lvl="1" indent="-271463">
@@ -9555,7 +9568,7 @@
                 </a:solidFill>
                 <a:cs typeface="ＭＳ Ｐゴシック" charset="0"/>
               </a:rPr>
-              <a:t>10 </a:t>
+              <a:t>9 </a:t>
             </a:r>
             <a:r>
               <a:rPr lang="en-GB" altLang="da-DK" sz="1800" b="1" dirty="0">
@@ -10183,206 +10196,238 @@
                 </a:solidFill>
                 <a:cs typeface="ＭＳ Ｐゴシック" charset="0"/>
               </a:rPr>
-              <a:t>From </a:t>
-            </a:r>
-            <a:r>
-              <a:rPr lang="en-US" sz="1800" b="1" dirty="0" smtClean="0">
-                <a:solidFill>
-                  <a:srgbClr val="A50021"/>
-                </a:solidFill>
-                <a:cs typeface="ＭＳ Ｐゴシック" charset="0"/>
-              </a:rPr>
-              <a:t>9.15 </a:t>
-            </a:r>
-            <a:r>
-              <a:rPr lang="en-US" sz="1800" b="1" dirty="0">
-                <a:solidFill>
-                  <a:srgbClr val="A50021"/>
-                </a:solidFill>
-                <a:cs typeface="ＭＳ Ｐゴシック" charset="0"/>
-              </a:rPr>
-              <a:t>to </a:t>
-            </a:r>
-            <a:r>
-              <a:rPr lang="en-US" sz="1800" b="1" dirty="0" smtClean="0">
-                <a:solidFill>
-                  <a:srgbClr val="A50021"/>
-                </a:solidFill>
-                <a:cs typeface="ＭＳ Ｐゴシック" charset="0"/>
-              </a:rPr>
-              <a:t>10.00</a:t>
-            </a:r>
-            <a:r>
-              <a:rPr lang="en-US" sz="1800" b="1" dirty="0">
-                <a:solidFill>
-                  <a:srgbClr val="A50021"/>
-                </a:solidFill>
-                <a:cs typeface="ＭＳ Ｐゴシック" charset="0"/>
-              </a:rPr>
-              <a:t> representatives from each research groups will meet with their students to make practical arrangements etc. </a:t>
-            </a:r>
-          </a:p>
-          <a:p>
-            <a:pPr marL="728663" lvl="1" indent="-271463">
-              <a:spcBef>
-                <a:spcPts val="900"/>
-              </a:spcBef>
-            </a:pPr>
-            <a:r>
-              <a:rPr lang="en-US" sz="1600" b="1" dirty="0" smtClean="0"/>
-              <a:t>Algorithms</a:t>
-            </a:r>
-            <a:r>
-              <a:rPr lang="en-US" sz="1600" b="1" dirty="0"/>
-              <a:t>, Data Structures and Foundations of Machine Learning: 5335-395 Nygaard Meeting </a:t>
-            </a:r>
-            <a:r>
-              <a:rPr lang="en-US" sz="1600" b="1" dirty="0" smtClean="0"/>
+              <a:t>From 13.15 to 14.00 representatives from each research groups will meet with their students to make practical arrangements etc.</a:t>
+            </a:r>
+          </a:p>
+          <a:p>
+            <a:pPr marL="728663" lvl="1" indent="-271463">
+              <a:spcBef>
+                <a:spcPts val="600"/>
+              </a:spcBef>
+            </a:pPr>
+            <a:r>
+              <a:rPr lang="en-US" sz="1600" dirty="0"/>
+              <a:t>Algorithms, Data Structures and Foundations of Machine Learning: </a:t>
+            </a:r>
+            <a:r>
+              <a:rPr lang="en-US" sz="1600" b="1" dirty="0">
+                <a:solidFill>
+                  <a:srgbClr val="FF0000"/>
+                </a:solidFill>
+              </a:rPr>
+              <a:t>5335-327 Nygaard Meeting </a:t>
+            </a:r>
+            <a:r>
+              <a:rPr lang="en-US" sz="1600" b="1" dirty="0" smtClean="0">
+                <a:solidFill>
+                  <a:srgbClr val="FF0000"/>
+                </a:solidFill>
+              </a:rPr>
               <a:t>Room</a:t>
             </a:r>
-            <a:endParaRPr lang="en-US" sz="1600" b="1" dirty="0"/>
-          </a:p>
-          <a:p>
-            <a:pPr marL="728663" lvl="1" indent="-271463">
-              <a:spcBef>
-                <a:spcPts val="900"/>
-              </a:spcBef>
-            </a:pPr>
-            <a:r>
-              <a:rPr lang="en-US" sz="1600" b="1" dirty="0"/>
-              <a:t>Bioinformatics: </a:t>
+            <a:endParaRPr lang="en-US" sz="1600" dirty="0"/>
+          </a:p>
+          <a:p>
+            <a:pPr marL="728663" lvl="1" indent="-271463">
+              <a:spcBef>
+                <a:spcPts val="600"/>
+              </a:spcBef>
+            </a:pPr>
+            <a:r>
+              <a:rPr lang="en-US" sz="1600" dirty="0"/>
+              <a:t>Collaboration and Computer-Human Interaction: </a:t>
+            </a:r>
+            <a:r>
+              <a:rPr lang="en-US" sz="1600" b="1" dirty="0">
+                <a:solidFill>
+                  <a:srgbClr val="008000"/>
+                </a:solidFill>
+              </a:rPr>
+              <a:t>Meeting on February 5</a:t>
+            </a:r>
+            <a:r>
+              <a:rPr lang="en-US" sz="1600" dirty="0"/>
+              <a:t> at 12.15 in 5365 </a:t>
+            </a:r>
+            <a:r>
+              <a:rPr lang="en-US" sz="1600" dirty="0"/>
+              <a:t>Stibitz-1</a:t>
+            </a:r>
+            <a:endParaRPr lang="en-US" sz="1600" dirty="0"/>
+          </a:p>
+          <a:p>
+            <a:pPr marL="728663" lvl="1" indent="-271463">
+              <a:spcBef>
+                <a:spcPts val="600"/>
+              </a:spcBef>
+            </a:pPr>
+            <a:r>
+              <a:rPr lang="en-US" sz="1600" dirty="0"/>
+              <a:t>Computational Complexity and Game Theory: </a:t>
+            </a:r>
+            <a:r>
+              <a:rPr lang="en-US" sz="1600" b="1" dirty="0">
+                <a:solidFill>
+                  <a:srgbClr val="FF0000"/>
+                </a:solidFill>
+              </a:rPr>
+              <a:t>5335-297 Nygaard Meeting </a:t>
             </a:r>
             <a:r>
               <a:rPr lang="en-US" sz="1600" b="1" dirty="0" smtClean="0">
                 <a:solidFill>
+                  <a:srgbClr val="FF0000"/>
+                </a:solidFill>
+              </a:rPr>
+              <a:t>Room</a:t>
+            </a:r>
+            <a:endParaRPr lang="en-US" sz="1600" dirty="0"/>
+          </a:p>
+          <a:p>
+            <a:pPr marL="728663" lvl="1" indent="-271463">
+              <a:spcBef>
+                <a:spcPts val="600"/>
+              </a:spcBef>
+            </a:pPr>
+            <a:r>
+              <a:rPr lang="en-US" sz="1600" dirty="0"/>
+              <a:t>Cryptography and Security: </a:t>
+            </a:r>
+            <a:r>
+              <a:rPr lang="en-US" sz="1600" b="1" dirty="0">
+                <a:solidFill>
                   <a:srgbClr val="008000"/>
                 </a:solidFill>
               </a:rPr>
-              <a:t>Meeting on February 2</a:t>
-            </a:r>
-            <a:endParaRPr lang="en-US" sz="1600" b="1" dirty="0">
-              <a:solidFill>
-                <a:srgbClr val="008000"/>
-              </a:solidFill>
-            </a:endParaRPr>
-          </a:p>
-          <a:p>
-            <a:pPr marL="728663" lvl="1" indent="-271463">
-              <a:spcBef>
-                <a:spcPts val="900"/>
-              </a:spcBef>
-            </a:pPr>
-            <a:r>
-              <a:rPr lang="en-US" sz="1600" b="1" dirty="0"/>
-              <a:t>Collaboration and Computer-Human Interaction: 5365 </a:t>
-            </a:r>
-            <a:r>
-              <a:rPr lang="en-US" sz="1600" b="1" dirty="0" smtClean="0"/>
+              <a:t>No </a:t>
+            </a:r>
+            <a:r>
+              <a:rPr lang="en-US" sz="1600" b="1" dirty="0" smtClean="0">
+                <a:solidFill>
+                  <a:srgbClr val="008000"/>
+                </a:solidFill>
+              </a:rPr>
+              <a:t>meeting</a:t>
+            </a:r>
+            <a:endParaRPr lang="en-US" sz="1600" dirty="0"/>
+          </a:p>
+          <a:p>
+            <a:pPr marL="728663" lvl="1" indent="-271463">
+              <a:spcBef>
+                <a:spcPts val="600"/>
+              </a:spcBef>
+            </a:pPr>
+            <a:r>
+              <a:rPr lang="en-US" sz="1600" dirty="0"/>
+              <a:t>Data-Intensive Syste</a:t>
+            </a:r>
+            <a:r>
+              <a:rPr lang="en-US" sz="1600" dirty="0"/>
+              <a:t>ms: </a:t>
+            </a:r>
+            <a:r>
+              <a:rPr lang="en-US" sz="1600" b="1" dirty="0">
+                <a:solidFill>
+                  <a:srgbClr val="008000"/>
+                </a:solidFill>
+              </a:rPr>
+              <a:t>Meeting on February 7</a:t>
+            </a:r>
+            <a:r>
+              <a:rPr lang="en-US" sz="1600" dirty="0"/>
+              <a:t> at 12.30 in 5335-327 Nygaard Meeting </a:t>
+            </a:r>
+            <a:r>
+              <a:rPr lang="en-US" sz="1600" dirty="0"/>
+              <a:t>Room</a:t>
+            </a:r>
+            <a:r>
+              <a:rPr lang="en-US" sz="1600" dirty="0"/>
+              <a:t> </a:t>
+            </a:r>
+          </a:p>
+          <a:p>
+            <a:pPr marL="728663" lvl="1" indent="-271463">
+              <a:spcBef>
+                <a:spcPts val="600"/>
+              </a:spcBef>
+            </a:pPr>
+            <a:r>
+              <a:rPr lang="en-US" sz="1600" dirty="0"/>
+              <a:t>Logic and Semantics &amp; Programming Languages: </a:t>
+            </a:r>
+            <a:r>
+              <a:rPr lang="en-US" sz="1600" b="1" dirty="0">
+                <a:solidFill>
+                  <a:srgbClr val="FF0000"/>
+                </a:solidFill>
+              </a:rPr>
+              <a:t>5342-333 Ada Meeting </a:t>
+            </a:r>
+            <a:r>
+              <a:rPr lang="en-US" sz="1600" b="1" dirty="0" smtClean="0">
+                <a:solidFill>
+                  <a:srgbClr val="FF0000"/>
+                </a:solidFill>
+              </a:rPr>
+              <a:t>Room</a:t>
+            </a:r>
+            <a:r>
+              <a:rPr lang="en-US" sz="1600" dirty="0" smtClean="0"/>
+              <a:t>.</a:t>
+            </a:r>
+            <a:endParaRPr lang="en-US" sz="1600" dirty="0"/>
+          </a:p>
+          <a:p>
+            <a:pPr marL="728663" lvl="1" indent="-271463">
+              <a:spcBef>
+                <a:spcPts val="600"/>
+              </a:spcBef>
+            </a:pPr>
+            <a:r>
+              <a:rPr lang="en-US" sz="1600" dirty="0"/>
+              <a:t>Ubiquitous Computing and Interaction: </a:t>
+            </a:r>
+            <a:r>
+              <a:rPr lang="en-US" sz="1600" b="1" dirty="0">
+                <a:solidFill>
+                  <a:srgbClr val="008000"/>
+                </a:solidFill>
+              </a:rPr>
+              <a:t>Meeting on February 5</a:t>
+            </a:r>
+            <a:r>
+              <a:rPr lang="en-US" sz="1600" dirty="0"/>
+              <a:t> at 12.15 </a:t>
+            </a:r>
+            <a:r>
+              <a:rPr lang="en-US" sz="1600" dirty="0"/>
+              <a:t>in</a:t>
+            </a:r>
+            <a:br>
+              <a:rPr lang="en-US" sz="1600" dirty="0"/>
+            </a:br>
+            <a:r>
+              <a:rPr lang="en-US" sz="1600" dirty="0"/>
+              <a:t>5365 </a:t>
+            </a:r>
+            <a:r>
+              <a:rPr lang="en-US" sz="1600" dirty="0"/>
               <a:t>Stibitz-1</a:t>
             </a:r>
-            <a:endParaRPr lang="en-US" sz="1600" b="1" dirty="0"/>
-          </a:p>
-          <a:p>
-            <a:pPr marL="728663" lvl="1" indent="-271463">
-              <a:spcBef>
-                <a:spcPts val="900"/>
-              </a:spcBef>
-            </a:pPr>
-            <a:r>
-              <a:rPr lang="en-US" sz="1600" b="1" dirty="0"/>
-              <a:t>Computational Complexity and Game Theory: </a:t>
-            </a:r>
-            <a:r>
-              <a:rPr lang="en-US" sz="1600" b="1" dirty="0" smtClean="0"/>
-              <a:t>5335-297 </a:t>
-            </a:r>
-            <a:r>
-              <a:rPr lang="en-US" sz="1600" b="1" dirty="0"/>
-              <a:t>Nygaard Meeting </a:t>
-            </a:r>
-            <a:r>
-              <a:rPr lang="en-US" sz="1600" b="1" dirty="0" smtClean="0"/>
-              <a:t>Room</a:t>
-            </a:r>
-            <a:endParaRPr lang="en-US" sz="1600" b="1" dirty="0"/>
-          </a:p>
-          <a:p>
-            <a:pPr marL="728663" lvl="1" indent="-271463">
-              <a:spcBef>
-                <a:spcPts val="900"/>
-              </a:spcBef>
-            </a:pPr>
-            <a:r>
-              <a:rPr lang="en-US" sz="1600" b="1" dirty="0">
-                <a:solidFill>
-                  <a:srgbClr val="008000"/>
-                </a:solidFill>
-              </a:rPr>
-              <a:t>Cryptography and Security</a:t>
-            </a:r>
-            <a:r>
-              <a:rPr lang="en-US" sz="1600" b="1" dirty="0" smtClean="0">
-                <a:solidFill>
-                  <a:srgbClr val="008000"/>
-                </a:solidFill>
-              </a:rPr>
-              <a:t>: No meeting</a:t>
-            </a:r>
-            <a:endParaRPr lang="en-US" sz="1600" b="1" dirty="0">
-              <a:solidFill>
-                <a:srgbClr val="008000"/>
-              </a:solidFill>
-            </a:endParaRPr>
-          </a:p>
-          <a:p>
-            <a:pPr marL="728663" lvl="1" indent="-271463">
-              <a:spcBef>
-                <a:spcPts val="900"/>
-              </a:spcBef>
-            </a:pPr>
-            <a:r>
-              <a:rPr lang="en-US" sz="1600" b="1" dirty="0"/>
-              <a:t>Data-Intensive Systems: </a:t>
-            </a:r>
-            <a:r>
-              <a:rPr lang="en-US" sz="1600" b="1" dirty="0" smtClean="0"/>
-              <a:t>5335-295 </a:t>
-            </a:r>
-            <a:r>
-              <a:rPr lang="en-US" sz="1600" b="1" dirty="0"/>
-              <a:t>Nygaard Meeting </a:t>
-            </a:r>
-            <a:r>
-              <a:rPr lang="en-US" sz="1600" b="1" dirty="0" smtClean="0"/>
-              <a:t>Room </a:t>
-            </a:r>
-            <a:endParaRPr lang="en-US" sz="1600" b="1" dirty="0"/>
-          </a:p>
-          <a:p>
-            <a:pPr marL="728663" lvl="1" indent="-271463">
-              <a:spcBef>
-                <a:spcPts val="900"/>
-              </a:spcBef>
-            </a:pPr>
-            <a:r>
-              <a:rPr lang="en-US" sz="1600" b="1" dirty="0"/>
-              <a:t>Logic and Semantics &amp; Programming Languages: 5342-333 Ada Meeting Room</a:t>
-            </a:r>
-          </a:p>
-          <a:p>
-            <a:pPr marL="728663" lvl="1" indent="-271463">
-              <a:spcBef>
-                <a:spcPts val="900"/>
-              </a:spcBef>
-            </a:pPr>
-            <a:r>
-              <a:rPr lang="en-US" sz="1600" b="1" dirty="0"/>
-              <a:t>Ubiquitous Computing and Interaction: 5365 </a:t>
-            </a:r>
-            <a:r>
-              <a:rPr lang="en-US" sz="1600" b="1" dirty="0" smtClean="0"/>
-              <a:t>Stibitz-1 </a:t>
-            </a:r>
+            <a:r>
+              <a:rPr lang="en-US" sz="1600" dirty="0"/>
+              <a:t>.</a:t>
+            </a:r>
+            <a:endParaRPr lang="en-US" sz="1600" dirty="0"/>
+          </a:p>
+          <a:p>
+            <a:pPr marL="271463" lvl="1" indent="-271463">
+              <a:spcBef>
+                <a:spcPts val="1200"/>
+              </a:spcBef>
+              <a:buChar char="•"/>
+            </a:pPr>
             <a:endParaRPr lang="en-US" sz="1600" b="1" dirty="0"/>
           </a:p>
         </p:txBody>
@@ -11657,7 +11702,7 @@
         <p:spPr>
           <a:xfrm>
             <a:off x="468313" y="1052736"/>
-            <a:ext cx="8424167" cy="5256584"/>
+            <a:ext cx="8424167" cy="5544616"/>
           </a:xfrm>
           <a:noFill/>
         </p:spPr>
@@ -11957,8 +12002,29 @@
                 </a:solidFill>
                 <a:cs typeface="ＭＳ Ｐゴシック" charset="0"/>
               </a:rPr>
-              <a:t>with the slides from this talk</a:t>
-            </a:r>
+              <a:t>with the slides from this </a:t>
+            </a:r>
+            <a:r>
+              <a:rPr lang="en-GB" altLang="da-DK" sz="1800" b="1" dirty="0" smtClean="0">
+                <a:solidFill>
+                  <a:srgbClr val="A50021"/>
+                </a:solidFill>
+                <a:cs typeface="ＭＳ Ｐゴシック" charset="0"/>
+              </a:rPr>
+              <a:t>talk</a:t>
+            </a:r>
+          </a:p>
+          <a:p>
+            <a:pPr marL="728663" lvl="1" indent="-271463">
+              <a:spcBef>
+                <a:spcPts val="300"/>
+              </a:spcBef>
+            </a:pPr>
+            <a:r>
+              <a:rPr lang="en-GB" altLang="da-DK" sz="1600" dirty="0"/>
+              <a:t>It is up to you to decide whether you want to use the templates</a:t>
+            </a:r>
+            <a:endParaRPr lang="en-GB" altLang="da-DK" sz="1600" dirty="0"/>
           </a:p>
           <a:p>
             <a:pPr marL="457200" lvl="1" indent="0">
@@ -13583,7 +13649,16 @@
                 </a:solidFill>
                 <a:cs typeface="ＭＳ Ｐゴシック" charset="0"/>
               </a:rPr>
-              <a:t>The production of a bachelor report (or any scientific paper) is typically done as follows</a:t>
+              <a:t>Production </a:t>
+            </a:r>
+            <a:r>
+              <a:rPr lang="en-GB" altLang="da-DK" sz="1800" b="1" dirty="0" smtClean="0">
+                <a:solidFill>
+                  <a:srgbClr val="A50021"/>
+                </a:solidFill>
+                <a:cs typeface="ＭＳ Ｐゴシック" charset="0"/>
+              </a:rPr>
+              <a:t>of a bachelor report (or any scientific paper) is typically done as follows</a:t>
             </a:r>
           </a:p>
           <a:p>
@@ -15408,16 +15483,16 @@
 <file path=customXml/itemProps3.xml><?xml version="1.0" encoding="utf-8"?>
 <ds:datastoreItem xmlns:ds="http://schemas.openxmlformats.org/officeDocument/2006/customXml" ds:itemID="{AB63E921-2D6C-4579-9894-621D579FF94B}">
   <ds:schemaRefs>
+    <ds:schemaRef ds:uri="http://purl.org/dc/dcmitype/"/>
+    <ds:schemaRef ds:uri="http://schemas.microsoft.com/office/2006/documentManagement/types"/>
+    <ds:schemaRef ds:uri="http://www.w3.org/XML/1998/namespace"/>
     <ds:schemaRef ds:uri="http://schemas.openxmlformats.org/package/2006/metadata/core-properties"/>
+    <ds:schemaRef ds:uri="http://schemas.microsoft.com/office/infopath/2007/PartnerControls"/>
+    <ds:schemaRef ds:uri="http://purl.org/dc/terms/"/>
+    <ds:schemaRef ds:uri="http://purl.org/dc/elements/1.1/"/>
+    <ds:schemaRef ds:uri="e064323b-8959-406a-a3e9-bb6e93638192"/>
     <ds:schemaRef ds:uri="f659a008-7c21-4ee3-a745-e38581e13101"/>
     <ds:schemaRef ds:uri="http://schemas.microsoft.com/office/2006/metadata/properties"/>
-    <ds:schemaRef ds:uri="http://www.w3.org/XML/1998/namespace"/>
-    <ds:schemaRef ds:uri="http://purl.org/dc/elements/1.1/"/>
-    <ds:schemaRef ds:uri="http://schemas.microsoft.com/office/2006/documentManagement/types"/>
-    <ds:schemaRef ds:uri="http://schemas.microsoft.com/office/infopath/2007/PartnerControls"/>
-    <ds:schemaRef ds:uri="e064323b-8959-406a-a3e9-bb6e93638192"/>
-    <ds:schemaRef ds:uri="http://purl.org/dc/dcmitype/"/>
-    <ds:schemaRef ds:uri="http://purl.org/dc/terms/"/>
   </ds:schemaRefs>
 </ds:datastoreItem>
 </file>
--- a/web/b25/1 Bachelor Contract .pptx
+++ b/web/b25/1 Bachelor Contract .pptx
@@ -9550,7 +9550,7 @@
                 </a:solidFill>
                 <a:cs typeface="ＭＳ Ｐゴシック" charset="0"/>
               </a:rPr>
-              <a:t>Thursday </a:t>
+              <a:t>Monday </a:t>
             </a:r>
             <a:r>
               <a:rPr lang="en-GB" altLang="da-DK" sz="1800" b="1" dirty="0">
@@ -10247,13 +10247,8 @@
             </a:r>
             <a:r>
               <a:rPr lang="en-US" sz="1600" dirty="0"/>
-              <a:t> at 12.15 in 5365 </a:t>
-            </a:r>
-            <a:r>
-              <a:rPr lang="en-US" sz="1600" dirty="0"/>
-              <a:t>Stibitz-1</a:t>
-            </a:r>
-            <a:endParaRPr lang="en-US" sz="1600" dirty="0"/>
+              <a:t> at 12.15 in 5365 Stibitz-1</a:t>
+            </a:r>
           </a:p>
           <a:p>
             <a:pPr marL="728663" lvl="1" indent="-271463">
@@ -10319,31 +10314,19 @@
             </a:pPr>
             <a:r>
               <a:rPr lang="en-US" sz="1600" dirty="0"/>
-              <a:t>Data-Intensive Syste</a:t>
+              <a:t>Data-Intensive Systems: </a:t>
+            </a:r>
+            <a:r>
+              <a:rPr lang="en-US" sz="1600" b="1" dirty="0">
+                <a:solidFill>
+                  <a:srgbClr val="008000"/>
+                </a:solidFill>
+              </a:rPr>
+              <a:t>Meeting on February 7</a:t>
             </a:r>
             <a:r>
               <a:rPr lang="en-US" sz="1600" dirty="0"/>
-              <a:t>ms: </a:t>
-            </a:r>
-            <a:r>
-              <a:rPr lang="en-US" sz="1600" b="1" dirty="0">
-                <a:solidFill>
-                  <a:srgbClr val="008000"/>
-                </a:solidFill>
-              </a:rPr>
-              <a:t>Meeting on February 7</a:t>
-            </a:r>
-            <a:r>
-              <a:rPr lang="en-US" sz="1600" dirty="0"/>
-              <a:t> at 12.30 in 5335-327 Nygaard Meeting </a:t>
-            </a:r>
-            <a:r>
-              <a:rPr lang="en-US" sz="1600" dirty="0"/>
-              <a:t>Room</a:t>
-            </a:r>
-            <a:r>
-              <a:rPr lang="en-US" sz="1600" dirty="0"/>
-              <a:t> </a:t>
+              <a:t> at 12.30 in 5335-327 Nygaard Meeting Room </a:t>
             </a:r>
           </a:p>
           <a:p>
@@ -10398,28 +10381,15 @@
             </a:r>
             <a:r>
               <a:rPr lang="en-US" sz="1600" dirty="0"/>
-              <a:t> at 12.15 </a:t>
-            </a:r>
-            <a:r>
-              <a:rPr lang="en-US" sz="1600" dirty="0"/>
-              <a:t>in</a:t>
+              <a:t> at 12.15 in</a:t>
             </a:r>
             <a:br>
               <a:rPr lang="en-US" sz="1600" dirty="0"/>
             </a:br>
             <a:r>
               <a:rPr lang="en-US" sz="1600" dirty="0"/>
-              <a:t>5365 </a:t>
-            </a:r>
-            <a:r>
-              <a:rPr lang="en-US" sz="1600" dirty="0"/>
-              <a:t>Stibitz-1</a:t>
-            </a:r>
-            <a:r>
-              <a:rPr lang="en-US" sz="1600" dirty="0"/>
-              <a:t>.</a:t>
-            </a:r>
-            <a:endParaRPr lang="en-US" sz="1600" dirty="0"/>
+              <a:t>5365 Stibitz-1.</a:t>
+            </a:r>
           </a:p>
           <a:p>
             <a:pPr marL="271463" lvl="1" indent="-271463">
@@ -12024,7 +11994,6 @@
               <a:rPr lang="en-GB" altLang="da-DK" sz="1600" dirty="0"/>
               <a:t>It is up to you to decide whether you want to use the templates</a:t>
             </a:r>
-            <a:endParaRPr lang="en-GB" altLang="da-DK" sz="1600" dirty="0"/>
           </a:p>
           <a:p>
             <a:pPr marL="457200" lvl="1" indent="0">
@@ -13649,16 +13618,7 @@
                 </a:solidFill>
                 <a:cs typeface="ＭＳ Ｐゴシック" charset="0"/>
               </a:rPr>
-              <a:t>Production </a:t>
-            </a:r>
-            <a:r>
-              <a:rPr lang="en-GB" altLang="da-DK" sz="1800" b="1" dirty="0" smtClean="0">
-                <a:solidFill>
-                  <a:srgbClr val="A50021"/>
-                </a:solidFill>
-                <a:cs typeface="ＭＳ Ｐゴシック" charset="0"/>
-              </a:rPr>
-              <a:t>of a bachelor report (or any scientific paper) is typically done as follows</a:t>
+              <a:t>Production of a bachelor report (or any scientific paper) is typically done as follows</a:t>
             </a:r>
           </a:p>
           <a:p>
@@ -15204,6 +15164,23 @@
 </file>
 
 <file path=customXml/item1.xml><?xml version="1.0" encoding="utf-8"?>
+<p:properties xmlns:p="http://schemas.microsoft.com/office/2006/metadata/properties" xmlns:xsi="http://www.w3.org/2001/XMLSchema-instance" xmlns:pc="http://schemas.microsoft.com/office/infopath/2007/PartnerControls">
+  <documentManagement>
+    <_activity xmlns="f659a008-7c21-4ee3-a745-e38581e13101" xsi:nil="true"/>
+  </documentManagement>
+</p:properties>
+</file>
+
+<file path=customXml/item2.xml><?xml version="1.0" encoding="utf-8"?>
+<?mso-contentType ?>
+<FormTemplates xmlns="http://schemas.microsoft.com/sharepoint/v3/contenttype/forms">
+  <Display>DocumentLibraryForm</Display>
+  <Edit>DocumentLibraryForm</Edit>
+  <New>DocumentLibraryForm</New>
+</FormTemplates>
+</file>
+
+<file path=customXml/item3.xml><?xml version="1.0" encoding="utf-8"?>
 <ct:contentTypeSchema xmlns:ct="http://schemas.microsoft.com/office/2006/metadata/contentType" xmlns:ma="http://schemas.microsoft.com/office/2006/metadata/properties/metaAttributes" ct:_="" ma:_="" ma:contentTypeName="Dokument" ma:contentTypeID="0x01010056836BC33D1E5846BD77C269C61838DB" ma:contentTypeVersion="15" ma:contentTypeDescription="Opret et nyt dokument." ma:contentTypeScope="" ma:versionID="312142c121a79ad47b84fd5eef3bff82">
   <xsd:schema xmlns:xsd="http://www.w3.org/2001/XMLSchema" xmlns:xs="http://www.w3.org/2001/XMLSchema" xmlns:p="http://schemas.microsoft.com/office/2006/metadata/properties" xmlns:ns3="f659a008-7c21-4ee3-a745-e38581e13101" xmlns:ns4="e064323b-8959-406a-a3e9-bb6e93638192" targetNamespace="http://schemas.microsoft.com/office/2006/metadata/properties" ma:root="true" ma:fieldsID="d8b41bb9140ab12135cf079bb511cb4a" ns3:_="" ns4:_="">
     <xsd:import namespace="f659a008-7c21-4ee3-a745-e38581e13101"/>
@@ -15436,24 +15413,32 @@
 </ct:contentTypeSchema>
 </file>
 
-<file path=customXml/item2.xml><?xml version="1.0" encoding="utf-8"?>
-<?mso-contentType ?>
-<FormTemplates xmlns="http://schemas.microsoft.com/sharepoint/v3/contenttype/forms">
-  <Display>DocumentLibraryForm</Display>
-  <Edit>DocumentLibraryForm</Edit>
-  <New>DocumentLibraryForm</New>
-</FormTemplates>
+<file path=customXml/itemProps1.xml><?xml version="1.0" encoding="utf-8"?>
+<ds:datastoreItem xmlns:ds="http://schemas.openxmlformats.org/officeDocument/2006/customXml" ds:itemID="{AB63E921-2D6C-4579-9894-621D579FF94B}">
+  <ds:schemaRefs>
+    <ds:schemaRef ds:uri="e064323b-8959-406a-a3e9-bb6e93638192"/>
+    <ds:schemaRef ds:uri="http://schemas.microsoft.com/office/2006/metadata/properties"/>
+    <ds:schemaRef ds:uri="http://purl.org/dc/terms/"/>
+    <ds:schemaRef ds:uri="http://purl.org/dc/elements/1.1/"/>
+    <ds:schemaRef ds:uri="http://purl.org/dc/dcmitype/"/>
+    <ds:schemaRef ds:uri="http://schemas.microsoft.com/office/infopath/2007/PartnerControls"/>
+    <ds:schemaRef ds:uri="http://schemas.microsoft.com/office/2006/documentManagement/types"/>
+    <ds:schemaRef ds:uri="http://schemas.openxmlformats.org/package/2006/metadata/core-properties"/>
+    <ds:schemaRef ds:uri="f659a008-7c21-4ee3-a745-e38581e13101"/>
+    <ds:schemaRef ds:uri="http://www.w3.org/XML/1998/namespace"/>
+  </ds:schemaRefs>
+</ds:datastoreItem>
 </file>
 
-<file path=customXml/item3.xml><?xml version="1.0" encoding="utf-8"?>
-<p:properties xmlns:p="http://schemas.microsoft.com/office/2006/metadata/properties" xmlns:xsi="http://www.w3.org/2001/XMLSchema-instance" xmlns:pc="http://schemas.microsoft.com/office/infopath/2007/PartnerControls">
-  <documentManagement>
-    <_activity xmlns="f659a008-7c21-4ee3-a745-e38581e13101" xsi:nil="true"/>
-  </documentManagement>
-</p:properties>
+<file path=customXml/itemProps2.xml><?xml version="1.0" encoding="utf-8"?>
+<ds:datastoreItem xmlns:ds="http://schemas.openxmlformats.org/officeDocument/2006/customXml" ds:itemID="{A889211B-83C6-4402-A3E8-D42D8A47B471}">
+  <ds:schemaRefs>
+    <ds:schemaRef ds:uri="http://schemas.microsoft.com/sharepoint/v3/contenttype/forms"/>
+  </ds:schemaRefs>
+</ds:datastoreItem>
 </file>
 
-<file path=customXml/itemProps1.xml><?xml version="1.0" encoding="utf-8"?>
+<file path=customXml/itemProps3.xml><?xml version="1.0" encoding="utf-8"?>
 <ds:datastoreItem xmlns:ds="http://schemas.openxmlformats.org/officeDocument/2006/customXml" ds:itemID="{5FA69414-AA72-43CB-94FC-7891685FAB17}">
   <ds:schemaRefs>
     <ds:schemaRef ds:uri="http://schemas.microsoft.com/office/2006/metadata/contentType"/>
@@ -15470,29 +15455,4 @@
     <ds:schemaRef ds:uri="http://schemas.microsoft.com/internal/obd"/>
   </ds:schemaRefs>
 </ds:datastoreItem>
-</file>
-
-<file path=customXml/itemProps2.xml><?xml version="1.0" encoding="utf-8"?>
-<ds:datastoreItem xmlns:ds="http://schemas.openxmlformats.org/officeDocument/2006/customXml" ds:itemID="{A889211B-83C6-4402-A3E8-D42D8A47B471}">
-  <ds:schemaRefs>
-    <ds:schemaRef ds:uri="http://schemas.microsoft.com/sharepoint/v3/contenttype/forms"/>
-  </ds:schemaRefs>
-</ds:datastoreItem>
-</file>
-
-<file path=customXml/itemProps3.xml><?xml version="1.0" encoding="utf-8"?>
-<ds:datastoreItem xmlns:ds="http://schemas.openxmlformats.org/officeDocument/2006/customXml" ds:itemID="{AB63E921-2D6C-4579-9894-621D579FF94B}">
-  <ds:schemaRefs>
-    <ds:schemaRef ds:uri="http://purl.org/dc/dcmitype/"/>
-    <ds:schemaRef ds:uri="http://schemas.microsoft.com/office/2006/documentManagement/types"/>
-    <ds:schemaRef ds:uri="http://www.w3.org/XML/1998/namespace"/>
-    <ds:schemaRef ds:uri="http://schemas.openxmlformats.org/package/2006/metadata/core-properties"/>
-    <ds:schemaRef ds:uri="http://schemas.microsoft.com/office/infopath/2007/PartnerControls"/>
-    <ds:schemaRef ds:uri="http://purl.org/dc/terms/"/>
-    <ds:schemaRef ds:uri="http://purl.org/dc/elements/1.1/"/>
-    <ds:schemaRef ds:uri="e064323b-8959-406a-a3e9-bb6e93638192"/>
-    <ds:schemaRef ds:uri="f659a008-7c21-4ee3-a745-e38581e13101"/>
-    <ds:schemaRef ds:uri="http://schemas.microsoft.com/office/2006/metadata/properties"/>
-  </ds:schemaRefs>
-</ds:datastoreItem>
 </file>
--- a/web/b25/1 Bachelor Contract .pptx
+++ b/web/b25/1 Bachelor Contract .pptx
@@ -9555,7 +9555,7 @@
             <a:r>
               <a:rPr lang="en-GB" altLang="da-DK" sz="1800" b="1" dirty="0">
                 <a:solidFill>
-                  <a:srgbClr val="A50021"/>
+                  <a:srgbClr val="008000"/>
                 </a:solidFill>
                 <a:cs typeface="ＭＳ Ｐゴシック" charset="0"/>
               </a:rPr>
@@ -9564,11 +9564,20 @@
             <a:r>
               <a:rPr lang="en-GB" altLang="da-DK" sz="1800" b="1" dirty="0" smtClean="0">
                 <a:solidFill>
-                  <a:srgbClr val="A50021"/>
-                </a:solidFill>
-                <a:cs typeface="ＭＳ Ｐゴシック" charset="0"/>
-              </a:rPr>
-              <a:t>9 </a:t>
+                  <a:srgbClr val="008000"/>
+                </a:solidFill>
+                <a:cs typeface="ＭＳ Ｐゴシック" charset="0"/>
+              </a:rPr>
+              <a:t>10</a:t>
+            </a:r>
+            <a:r>
+              <a:rPr lang="en-GB" altLang="da-DK" sz="1800" b="1" dirty="0" smtClean="0">
+                <a:solidFill>
+                  <a:srgbClr val="A50021"/>
+                </a:solidFill>
+                <a:cs typeface="ＭＳ Ｐゴシック" charset="0"/>
+              </a:rPr>
+              <a:t> </a:t>
             </a:r>
             <a:r>
               <a:rPr lang="en-GB" altLang="da-DK" sz="1800" b="1" dirty="0">
@@ -15164,23 +15173,6 @@
 </file>
 
 <file path=customXml/item1.xml><?xml version="1.0" encoding="utf-8"?>
-<p:properties xmlns:p="http://schemas.microsoft.com/office/2006/metadata/properties" xmlns:xsi="http://www.w3.org/2001/XMLSchema-instance" xmlns:pc="http://schemas.microsoft.com/office/infopath/2007/PartnerControls">
-  <documentManagement>
-    <_activity xmlns="f659a008-7c21-4ee3-a745-e38581e13101" xsi:nil="true"/>
-  </documentManagement>
-</p:properties>
-</file>
-
-<file path=customXml/item2.xml><?xml version="1.0" encoding="utf-8"?>
-<?mso-contentType ?>
-<FormTemplates xmlns="http://schemas.microsoft.com/sharepoint/v3/contenttype/forms">
-  <Display>DocumentLibraryForm</Display>
-  <Edit>DocumentLibraryForm</Edit>
-  <New>DocumentLibraryForm</New>
-</FormTemplates>
-</file>
-
-<file path=customXml/item3.xml><?xml version="1.0" encoding="utf-8"?>
 <ct:contentTypeSchema xmlns:ct="http://schemas.microsoft.com/office/2006/metadata/contentType" xmlns:ma="http://schemas.microsoft.com/office/2006/metadata/properties/metaAttributes" ct:_="" ma:_="" ma:contentTypeName="Dokument" ma:contentTypeID="0x01010056836BC33D1E5846BD77C269C61838DB" ma:contentTypeVersion="15" ma:contentTypeDescription="Opret et nyt dokument." ma:contentTypeScope="" ma:versionID="312142c121a79ad47b84fd5eef3bff82">
   <xsd:schema xmlns:xsd="http://www.w3.org/2001/XMLSchema" xmlns:xs="http://www.w3.org/2001/XMLSchema" xmlns:p="http://schemas.microsoft.com/office/2006/metadata/properties" xmlns:ns3="f659a008-7c21-4ee3-a745-e38581e13101" xmlns:ns4="e064323b-8959-406a-a3e9-bb6e93638192" targetNamespace="http://schemas.microsoft.com/office/2006/metadata/properties" ma:root="true" ma:fieldsID="d8b41bb9140ab12135cf079bb511cb4a" ns3:_="" ns4:_="">
     <xsd:import namespace="f659a008-7c21-4ee3-a745-e38581e13101"/>
@@ -15413,32 +15405,24 @@
 </ct:contentTypeSchema>
 </file>
 
-<file path=customXml/itemProps1.xml><?xml version="1.0" encoding="utf-8"?>
-<ds:datastoreItem xmlns:ds="http://schemas.openxmlformats.org/officeDocument/2006/customXml" ds:itemID="{AB63E921-2D6C-4579-9894-621D579FF94B}">
-  <ds:schemaRefs>
-    <ds:schemaRef ds:uri="e064323b-8959-406a-a3e9-bb6e93638192"/>
-    <ds:schemaRef ds:uri="http://schemas.microsoft.com/office/2006/metadata/properties"/>
-    <ds:schemaRef ds:uri="http://purl.org/dc/terms/"/>
-    <ds:schemaRef ds:uri="http://purl.org/dc/elements/1.1/"/>
-    <ds:schemaRef ds:uri="http://purl.org/dc/dcmitype/"/>
-    <ds:schemaRef ds:uri="http://schemas.microsoft.com/office/infopath/2007/PartnerControls"/>
-    <ds:schemaRef ds:uri="http://schemas.microsoft.com/office/2006/documentManagement/types"/>
-    <ds:schemaRef ds:uri="http://schemas.openxmlformats.org/package/2006/metadata/core-properties"/>
-    <ds:schemaRef ds:uri="f659a008-7c21-4ee3-a745-e38581e13101"/>
-    <ds:schemaRef ds:uri="http://www.w3.org/XML/1998/namespace"/>
-  </ds:schemaRefs>
-</ds:datastoreItem>
+<file path=customXml/item2.xml><?xml version="1.0" encoding="utf-8"?>
+<?mso-contentType ?>
+<FormTemplates xmlns="http://schemas.microsoft.com/sharepoint/v3/contenttype/forms">
+  <Display>DocumentLibraryForm</Display>
+  <Edit>DocumentLibraryForm</Edit>
+  <New>DocumentLibraryForm</New>
+</FormTemplates>
 </file>
 
-<file path=customXml/itemProps2.xml><?xml version="1.0" encoding="utf-8"?>
-<ds:datastoreItem xmlns:ds="http://schemas.openxmlformats.org/officeDocument/2006/customXml" ds:itemID="{A889211B-83C6-4402-A3E8-D42D8A47B471}">
-  <ds:schemaRefs>
-    <ds:schemaRef ds:uri="http://schemas.microsoft.com/sharepoint/v3/contenttype/forms"/>
-  </ds:schemaRefs>
-</ds:datastoreItem>
+<file path=customXml/item3.xml><?xml version="1.0" encoding="utf-8"?>
+<p:properties xmlns:p="http://schemas.microsoft.com/office/2006/metadata/properties" xmlns:xsi="http://www.w3.org/2001/XMLSchema-instance" xmlns:pc="http://schemas.microsoft.com/office/infopath/2007/PartnerControls">
+  <documentManagement>
+    <_activity xmlns="f659a008-7c21-4ee3-a745-e38581e13101" xsi:nil="true"/>
+  </documentManagement>
+</p:properties>
 </file>
 
-<file path=customXml/itemProps3.xml><?xml version="1.0" encoding="utf-8"?>
+<file path=customXml/itemProps1.xml><?xml version="1.0" encoding="utf-8"?>
 <ds:datastoreItem xmlns:ds="http://schemas.openxmlformats.org/officeDocument/2006/customXml" ds:itemID="{5FA69414-AA72-43CB-94FC-7891685FAB17}">
   <ds:schemaRefs>
     <ds:schemaRef ds:uri="http://schemas.microsoft.com/office/2006/metadata/contentType"/>
@@ -15455,4 +15439,29 @@
     <ds:schemaRef ds:uri="http://schemas.microsoft.com/internal/obd"/>
   </ds:schemaRefs>
 </ds:datastoreItem>
+</file>
+
+<file path=customXml/itemProps2.xml><?xml version="1.0" encoding="utf-8"?>
+<ds:datastoreItem xmlns:ds="http://schemas.openxmlformats.org/officeDocument/2006/customXml" ds:itemID="{A889211B-83C6-4402-A3E8-D42D8A47B471}">
+  <ds:schemaRefs>
+    <ds:schemaRef ds:uri="http://schemas.microsoft.com/sharepoint/v3/contenttype/forms"/>
+  </ds:schemaRefs>
+</ds:datastoreItem>
+</file>
+
+<file path=customXml/itemProps3.xml><?xml version="1.0" encoding="utf-8"?>
+<ds:datastoreItem xmlns:ds="http://schemas.openxmlformats.org/officeDocument/2006/customXml" ds:itemID="{AB63E921-2D6C-4579-9894-621D579FF94B}">
+  <ds:schemaRefs>
+    <ds:schemaRef ds:uri="http://purl.org/dc/terms/"/>
+    <ds:schemaRef ds:uri="http://schemas.microsoft.com/office/2006/metadata/properties"/>
+    <ds:schemaRef ds:uri="http://www.w3.org/XML/1998/namespace"/>
+    <ds:schemaRef ds:uri="http://schemas.microsoft.com/office/2006/documentManagement/types"/>
+    <ds:schemaRef ds:uri="http://purl.org/dc/dcmitype/"/>
+    <ds:schemaRef ds:uri="http://purl.org/dc/elements/1.1/"/>
+    <ds:schemaRef ds:uri="http://schemas.openxmlformats.org/package/2006/metadata/core-properties"/>
+    <ds:schemaRef ds:uri="http://schemas.microsoft.com/office/infopath/2007/PartnerControls"/>
+    <ds:schemaRef ds:uri="f659a008-7c21-4ee3-a745-e38581e13101"/>
+    <ds:schemaRef ds:uri="e064323b-8959-406a-a3e9-bb6e93638192"/>
+  </ds:schemaRefs>
+</ds:datastoreItem>
 </file>